--- a/Presentation_slide/RL_presentation.pptx
+++ b/Presentation_slide/RL_presentation.pptx
@@ -927,7 +927,7 @@
       </p:grpSpPr>
       <p:sp>
         <p:nvSpPr>
-          <p:cNvPr id="628" name="Google Shape;628;g20f41e19245_0_211:notes"/>
+          <p:cNvPr id="628" name="Google Shape;628;g2fc800cade3_0_0:notes"/>
           <p:cNvSpPr/>
           <p:nvPr>
             <p:ph idx="2" type="sldImg"/>
@@ -962,7 +962,7 @@
       </p:sp>
       <p:sp>
         <p:nvSpPr>
-          <p:cNvPr id="629" name="Google Shape;629;g20f41e19245_0_211:notes"/>
+          <p:cNvPr id="629" name="Google Shape;629;g2fc800cade3_0_0:notes"/>
           <p:cNvSpPr txBox="1"/>
           <p:nvPr>
             <p:ph idx="1" type="body"/>
@@ -1422,7 +1422,7 @@
       </p:grpSpPr>
       <p:sp>
         <p:nvSpPr>
-          <p:cNvPr id="568" name="Google Shape;568;g30b944f51f5_0_0:notes"/>
+          <p:cNvPr id="568" name="Google Shape;568;g30b944f51f5_0_148:notes"/>
           <p:cNvSpPr/>
           <p:nvPr>
             <p:ph idx="2" type="sldImg"/>
@@ -1457,7 +1457,7 @@
       </p:sp>
       <p:sp>
         <p:nvSpPr>
-          <p:cNvPr id="569" name="Google Shape;569;g30b944f51f5_0_0:notes"/>
+          <p:cNvPr id="569" name="Google Shape;569;g30b944f51f5_0_148:notes"/>
           <p:cNvSpPr txBox="1"/>
           <p:nvPr>
             <p:ph idx="1" type="body"/>
@@ -1521,7 +1521,7 @@
       </p:grpSpPr>
       <p:sp>
         <p:nvSpPr>
-          <p:cNvPr id="578" name="Google Shape;578;g30b944f51f5_0_148:notes"/>
+          <p:cNvPr id="578" name="Google Shape;578;g20f41e19245_0_211:notes"/>
           <p:cNvSpPr/>
           <p:nvPr>
             <p:ph idx="2" type="sldImg"/>
@@ -1556,7 +1556,7 @@
       </p:sp>
       <p:sp>
         <p:nvSpPr>
-          <p:cNvPr id="579" name="Google Shape;579;g30b944f51f5_0_148:notes"/>
+          <p:cNvPr id="579" name="Google Shape;579;g20f41e19245_0_211:notes"/>
           <p:cNvSpPr txBox="1"/>
           <p:nvPr>
             <p:ph idx="1" type="body"/>
@@ -34804,7 +34804,7 @@
                   <a:schemeClr val="accent1"/>
                 </a:highlight>
               </a:rPr>
-              <a:t>04</a:t>
+              <a:t>03</a:t>
             </a:r>
             <a:endParaRPr sz="4000">
               <a:solidFill>
@@ -34846,14 +34846,182 @@
         <p:nvSpPr>
           <p:cNvPr id="631" name="Google Shape;631;p40"/>
           <p:cNvSpPr txBox="1"/>
+          <p:nvPr/>
+        </p:nvSpPr>
+        <p:spPr>
+          <a:xfrm>
+            <a:off x="2415725" y="1326650"/>
+            <a:ext cx="4367100" cy="2999700"/>
+          </a:xfrm>
+          <a:prstGeom prst="rect">
+            <a:avLst/>
+          </a:prstGeom>
+          <a:noFill/>
+          <a:ln>
+            <a:noFill/>
+          </a:ln>
+        </p:spPr>
+        <p:txBody>
+          <a:bodyPr anchorCtr="0" anchor="t" bIns="91425" lIns="91425" spcFirstLastPara="1" rIns="91425" wrap="square" tIns="91425">
+            <a:noAutofit/>
+          </a:bodyPr>
+          <a:lstStyle/>
+          <a:p>
+            <a:pPr indent="0" lvl="0" marL="0" rtl="0" algn="ctr">
+              <a:spcBef>
+                <a:spcPts val="0"/>
+              </a:spcBef>
+              <a:spcAft>
+                <a:spcPts val="0"/>
+              </a:spcAft>
+              <a:buNone/>
+            </a:pPr>
+            <a:r>
+              <a:rPr lang="en">
+                <a:solidFill>
+                  <a:schemeClr val="dk1"/>
+                </a:solidFill>
+                <a:latin typeface="Lato"/>
+                <a:ea typeface="Lato"/>
+                <a:cs typeface="Lato"/>
+                <a:sym typeface="Lato"/>
+              </a:rPr>
+              <a:t>Revolutionize business operations by optimizing decision-making and reducing costs. </a:t>
+            </a:r>
+            <a:endParaRPr>
+              <a:solidFill>
+                <a:schemeClr val="dk1"/>
+              </a:solidFill>
+              <a:latin typeface="Lato"/>
+              <a:ea typeface="Lato"/>
+              <a:cs typeface="Lato"/>
+              <a:sym typeface="Lato"/>
+            </a:endParaRPr>
+          </a:p>
+          <a:p>
+            <a:pPr indent="0" lvl="0" marL="0" rtl="0" algn="ctr">
+              <a:spcBef>
+                <a:spcPts val="0"/>
+              </a:spcBef>
+              <a:spcAft>
+                <a:spcPts val="0"/>
+              </a:spcAft>
+              <a:buNone/>
+            </a:pPr>
+            <a:r>
+              <a:t/>
+            </a:r>
+            <a:endParaRPr>
+              <a:solidFill>
+                <a:schemeClr val="dk1"/>
+              </a:solidFill>
+              <a:latin typeface="Lato"/>
+              <a:ea typeface="Lato"/>
+              <a:cs typeface="Lato"/>
+              <a:sym typeface="Lato"/>
+            </a:endParaRPr>
+          </a:p>
+          <a:p>
+            <a:pPr indent="0" lvl="0" marL="0" rtl="0" algn="ctr">
+              <a:spcBef>
+                <a:spcPts val="0"/>
+              </a:spcBef>
+              <a:spcAft>
+                <a:spcPts val="0"/>
+              </a:spcAft>
+              <a:buNone/>
+            </a:pPr>
+            <a:r>
+              <a:rPr lang="en">
+                <a:solidFill>
+                  <a:schemeClr val="dk1"/>
+                </a:solidFill>
+                <a:latin typeface="Lato"/>
+                <a:ea typeface="Lato"/>
+                <a:cs typeface="Lato"/>
+                <a:sym typeface="Lato"/>
+              </a:rPr>
+              <a:t>Taxi Game and CartPole Game, demonstrates how RL can improve logistics and management of risks. </a:t>
+            </a:r>
+            <a:endParaRPr>
+              <a:solidFill>
+                <a:schemeClr val="dk1"/>
+              </a:solidFill>
+              <a:latin typeface="Lato"/>
+              <a:ea typeface="Lato"/>
+              <a:cs typeface="Lato"/>
+              <a:sym typeface="Lato"/>
+            </a:endParaRPr>
+          </a:p>
+          <a:p>
+            <a:pPr indent="0" lvl="0" marL="0" rtl="0" algn="ctr">
+              <a:spcBef>
+                <a:spcPts val="0"/>
+              </a:spcBef>
+              <a:spcAft>
+                <a:spcPts val="0"/>
+              </a:spcAft>
+              <a:buNone/>
+            </a:pPr>
+            <a:r>
+              <a:t/>
+            </a:r>
+            <a:endParaRPr>
+              <a:solidFill>
+                <a:schemeClr val="dk1"/>
+              </a:solidFill>
+              <a:latin typeface="Lato"/>
+              <a:ea typeface="Lato"/>
+              <a:cs typeface="Lato"/>
+              <a:sym typeface="Lato"/>
+            </a:endParaRPr>
+          </a:p>
+          <a:p>
+            <a:pPr indent="0" lvl="0" marL="0" rtl="0" algn="ctr">
+              <a:spcBef>
+                <a:spcPts val="0"/>
+              </a:spcBef>
+              <a:spcAft>
+                <a:spcPts val="0"/>
+              </a:spcAft>
+              <a:buNone/>
+            </a:pPr>
+            <a:r>
+              <a:rPr lang="en">
+                <a:solidFill>
+                  <a:schemeClr val="dk1"/>
+                </a:solidFill>
+                <a:latin typeface="Lato"/>
+                <a:ea typeface="Lato"/>
+                <a:cs typeface="Lato"/>
+                <a:sym typeface="Lato"/>
+              </a:rPr>
+              <a:t>Valuable insights into the practical applications of RL in various industries.</a:t>
+            </a:r>
+            <a:endParaRPr>
+              <a:solidFill>
+                <a:schemeClr val="dk1"/>
+              </a:solidFill>
+              <a:latin typeface="Lato"/>
+              <a:ea typeface="Lato"/>
+              <a:cs typeface="Lato"/>
+              <a:sym typeface="Lato"/>
+            </a:endParaRPr>
+          </a:p>
+        </p:txBody>
+      </p:sp>
+      <p:sp>
+        <p:nvSpPr>
+          <p:cNvPr id="632" name="Google Shape;632;p40"/>
+          <p:cNvSpPr txBox="1"/>
           <p:nvPr>
             <p:ph type="title"/>
           </p:nvPr>
         </p:nvSpPr>
         <p:spPr>
           <a:xfrm>
-            <a:off x="1284000" y="1118629"/>
-            <a:ext cx="6576000" cy="1797300"/>
+            <a:off x="2722950" y="414175"/>
+            <a:ext cx="3751800" cy="477000"/>
           </a:xfrm>
           <a:prstGeom prst="rect">
             <a:avLst/>
@@ -34875,170 +35043,13 @@
               <a:buNone/>
             </a:pPr>
             <a:r>
-              <a:rPr lang="en" sz="2800"/>
-              <a:t>Let's explore a practical example of optimizing decisions through a game simulation</a:t>
+              <a:rPr lang="en" sz="2700"/>
+              <a:t> Conclusion</a:t>
             </a:r>
-            <a:endParaRPr sz="2800"/>
+            <a:endParaRPr sz="2700"/>
           </a:p>
         </p:txBody>
       </p:sp>
-      <p:sp>
-        <p:nvSpPr>
-          <p:cNvPr id="632" name="Google Shape;632;p40"/>
-          <p:cNvSpPr txBox="1"/>
-          <p:nvPr>
-            <p:ph idx="1" type="subTitle"/>
-          </p:nvPr>
-        </p:nvSpPr>
-        <p:spPr>
-          <a:xfrm>
-            <a:off x="1284000" y="3090788"/>
-            <a:ext cx="6576000" cy="365700"/>
-          </a:xfrm>
-          <a:prstGeom prst="rect">
-            <a:avLst/>
-          </a:prstGeom>
-        </p:spPr>
-        <p:txBody>
-          <a:bodyPr anchorCtr="0" anchor="ctr" bIns="91425" lIns="91425" spcFirstLastPara="1" rIns="91425" wrap="square" tIns="91425">
-            <a:noAutofit/>
-          </a:bodyPr>
-          <a:lstStyle/>
-          <a:p>
-            <a:pPr indent="0" lvl="0" marL="0" rtl="0" algn="ctr">
-              <a:spcBef>
-                <a:spcPts val="0"/>
-              </a:spcBef>
-              <a:spcAft>
-                <a:spcPts val="0"/>
-              </a:spcAft>
-              <a:buNone/>
-            </a:pPr>
-            <a:r>
-              <a:rPr lang="en"/>
-              <a:t>Taxi Game / Pole Balancing Game</a:t>
-            </a:r>
-            <a:endParaRPr/>
-          </a:p>
-        </p:txBody>
-      </p:sp>
-      <p:cxnSp>
-        <p:nvCxnSpPr>
-          <p:cNvPr id="633" name="Google Shape;633;p40"/>
-          <p:cNvCxnSpPr>
-            <a:endCxn id="631" idx="0"/>
-          </p:cNvCxnSpPr>
-          <p:nvPr/>
-        </p:nvCxnSpPr>
-        <p:spPr>
-          <a:xfrm flipH="1" rot="-5400000">
-            <a:off x="3319200" y="-134171"/>
-            <a:ext cx="1700100" cy="805500"/>
-          </a:xfrm>
-          <a:prstGeom prst="bentConnector3">
-            <a:avLst>
-              <a:gd fmla="val 50000" name="adj1"/>
-            </a:avLst>
-          </a:prstGeom>
-          <a:noFill/>
-          <a:ln cap="flat" cmpd="sng" w="19050">
-            <a:solidFill>
-              <a:schemeClr val="lt2"/>
-            </a:solidFill>
-            <a:prstDash val="solid"/>
-            <a:round/>
-            <a:headEnd len="med" w="med" type="none"/>
-            <a:tailEnd len="med" w="med" type="oval"/>
-          </a:ln>
-        </p:spPr>
-      </p:cxnSp>
-      <p:cxnSp>
-        <p:nvCxnSpPr>
-          <p:cNvPr id="634" name="Google Shape;634;p40"/>
-          <p:cNvCxnSpPr>
-            <a:stCxn id="631" idx="3"/>
-            <a:endCxn id="632" idx="3"/>
-          </p:cNvCxnSpPr>
-          <p:nvPr/>
-        </p:nvCxnSpPr>
-        <p:spPr>
-          <a:xfrm>
-            <a:off x="7860000" y="2017279"/>
-            <a:ext cx="600" cy="1256400"/>
-          </a:xfrm>
-          <a:prstGeom prst="bentConnector3">
-            <a:avLst>
-              <a:gd fmla="val 39687500" name="adj1"/>
-            </a:avLst>
-          </a:prstGeom>
-          <a:noFill/>
-          <a:ln cap="flat" cmpd="sng" w="19050">
-            <a:solidFill>
-              <a:schemeClr val="lt2"/>
-            </a:solidFill>
-            <a:prstDash val="solid"/>
-            <a:round/>
-            <a:headEnd len="med" w="med" type="none"/>
-            <a:tailEnd len="med" w="med" type="oval"/>
-          </a:ln>
-        </p:spPr>
-      </p:cxnSp>
-      <p:cxnSp>
-        <p:nvCxnSpPr>
-          <p:cNvPr id="635" name="Google Shape;635;p40"/>
-          <p:cNvCxnSpPr>
-            <a:stCxn id="632" idx="2"/>
-          </p:cNvCxnSpPr>
-          <p:nvPr/>
-        </p:nvCxnSpPr>
-        <p:spPr>
-          <a:xfrm flipH="1" rot="-5400000">
-            <a:off x="6153300" y="1875188"/>
-            <a:ext cx="863100" cy="4025700"/>
-          </a:xfrm>
-          <a:prstGeom prst="bentConnector2">
-            <a:avLst/>
-          </a:prstGeom>
-          <a:noFill/>
-          <a:ln cap="flat" cmpd="sng" w="19050">
-            <a:solidFill>
-              <a:schemeClr val="lt2"/>
-            </a:solidFill>
-            <a:prstDash val="solid"/>
-            <a:round/>
-            <a:headEnd len="med" w="med" type="none"/>
-            <a:tailEnd len="med" w="med" type="oval"/>
-          </a:ln>
-        </p:spPr>
-      </p:cxnSp>
-      <p:cxnSp>
-        <p:nvCxnSpPr>
-          <p:cNvPr id="636" name="Google Shape;636;p40"/>
-          <p:cNvCxnSpPr/>
-          <p:nvPr/>
-        </p:nvCxnSpPr>
-        <p:spPr>
-          <a:xfrm flipH="1" rot="-5400000">
-            <a:off x="3479575" y="38925"/>
-            <a:ext cx="1422900" cy="987000"/>
-          </a:xfrm>
-          <a:prstGeom prst="bentConnector3">
-            <a:avLst>
-              <a:gd fmla="val 50000" name="adj1"/>
-            </a:avLst>
-          </a:prstGeom>
-          <a:noFill/>
-          <a:ln cap="flat" cmpd="sng" w="19050">
-            <a:solidFill>
-              <a:schemeClr val="lt2"/>
-            </a:solidFill>
-            <a:prstDash val="solid"/>
-            <a:round/>
-            <a:headEnd len="med" w="med" type="none"/>
-            <a:tailEnd len="med" w="med" type="oval"/>
-          </a:ln>
-        </p:spPr>
-      </p:cxnSp>
     </p:spTree>
   </p:cSld>
   <p:clrMapOvr>
@@ -45117,8 +45128,8 @@
         </p:nvSpPr>
         <p:spPr>
           <a:xfrm>
-            <a:off x="720000" y="445025"/>
-            <a:ext cx="7704000" cy="572700"/>
+            <a:off x="1786800" y="292625"/>
+            <a:ext cx="7529100" cy="402000"/>
           </a:xfrm>
           <a:prstGeom prst="rect">
             <a:avLst/>
@@ -45140,36 +45151,87 @@
               <a:buNone/>
             </a:pPr>
             <a:r>
-              <a:rPr lang="en" sz="4000">
-                <a:solidFill>
-                  <a:schemeClr val="lt1"/>
-                </a:solidFill>
-                <a:highlight>
-                  <a:schemeClr val="accent1"/>
-                </a:highlight>
-              </a:rPr>
-              <a:t>03</a:t>
+              <a:rPr lang="en" sz="2300"/>
+              <a:t>What's the Pole Balancing Game?</a:t>
             </a:r>
-            <a:endParaRPr/>
+            <a:endParaRPr sz="2300"/>
           </a:p>
         </p:txBody>
       </p:sp>
-      <p:sp>
-        <p:nvSpPr>
+      <p:pic>
+        <p:nvPicPr>
           <p:cNvPr id="572" name="Google Shape;572;p35"/>
-          <p:cNvSpPr txBox="1"/>
-          <p:nvPr>
-            <p:ph idx="1" type="subTitle"/>
-          </p:nvPr>
-        </p:nvSpPr>
+          <p:cNvPicPr preferRelativeResize="0"/>
+          <p:nvPr/>
+        </p:nvPicPr>
+        <p:blipFill>
+          <a:blip r:embed="rId3">
+            <a:alphaModFix/>
+          </a:blip>
+          <a:stretch>
+            <a:fillRect/>
+          </a:stretch>
+        </p:blipFill>
         <p:spPr>
           <a:xfrm>
-            <a:off x="4887646" y="2676025"/>
-            <a:ext cx="3855900" cy="1211100"/>
+            <a:off x="799425" y="337925"/>
+            <a:ext cx="682250" cy="682250"/>
           </a:xfrm>
           <a:prstGeom prst="rect">
             <a:avLst/>
           </a:prstGeom>
+          <a:noFill/>
+          <a:ln>
+            <a:noFill/>
+          </a:ln>
+        </p:spPr>
+      </p:pic>
+      <p:pic>
+        <p:nvPicPr>
+          <p:cNvPr id="573" name="Google Shape;573;p35"/>
+          <p:cNvPicPr preferRelativeResize="0"/>
+          <p:nvPr/>
+        </p:nvPicPr>
+        <p:blipFill>
+          <a:blip r:embed="rId4">
+            <a:alphaModFix/>
+          </a:blip>
+          <a:stretch>
+            <a:fillRect/>
+          </a:stretch>
+        </p:blipFill>
+        <p:spPr>
+          <a:xfrm>
+            <a:off x="6030300" y="1495375"/>
+            <a:ext cx="1669026" cy="3191251"/>
+          </a:xfrm>
+          <a:prstGeom prst="rect">
+            <a:avLst/>
+          </a:prstGeom>
+          <a:noFill/>
+          <a:ln>
+            <a:noFill/>
+          </a:ln>
+        </p:spPr>
+      </p:pic>
+      <p:sp>
+        <p:nvSpPr>
+          <p:cNvPr id="574" name="Google Shape;574;p35"/>
+          <p:cNvSpPr txBox="1"/>
+          <p:nvPr/>
+        </p:nvSpPr>
+        <p:spPr>
+          <a:xfrm>
+            <a:off x="1374875" y="776150"/>
+            <a:ext cx="6074100" cy="254700"/>
+          </a:xfrm>
+          <a:prstGeom prst="rect">
+            <a:avLst/>
+          </a:prstGeom>
+          <a:noFill/>
+          <a:ln>
+            <a:noFill/>
+          </a:ln>
         </p:spPr>
         <p:txBody>
           <a:bodyPr anchorCtr="0" anchor="t" bIns="91425" lIns="91425" spcFirstLastPara="1" rIns="91425" wrap="square" tIns="91425">
@@ -45177,7 +45239,7 @@
           </a:bodyPr>
           <a:lstStyle/>
           <a:p>
-            <a:pPr indent="0" lvl="0" marL="0" rtl="0" algn="l">
+            <a:pPr indent="0" lvl="0" marL="457200" rtl="0" algn="l">
               <a:spcBef>
                 <a:spcPts val="0"/>
               </a:spcBef>
@@ -45187,147 +45249,26 @@
               <a:buNone/>
             </a:pPr>
             <a:r>
-              <a:rPr lang="en"/>
-              <a:t>-</a:t>
+              <a:rPr lang="en">
+                <a:solidFill>
+                  <a:schemeClr val="dk1"/>
+                </a:solidFill>
+                <a:latin typeface="Lato"/>
+                <a:ea typeface="Lato"/>
+                <a:cs typeface="Lato"/>
+                <a:sym typeface="Lato"/>
+              </a:rPr>
+              <a:t>Learning environment in the Open-AI Gym reinforcement learning</a:t>
             </a:r>
-            <a:r>
-              <a:rPr lang="en"/>
-              <a:t>Managing Risk in Dynamic Environments</a:t>
-            </a:r>
-            <a:endParaRPr/>
-          </a:p>
-          <a:p>
-            <a:pPr indent="0" lvl="0" marL="0" marR="0" rtl="0" algn="l">
-              <a:lnSpc>
-                <a:spcPct val="115000"/>
-              </a:lnSpc>
-              <a:spcBef>
-                <a:spcPts val="0"/>
-              </a:spcBef>
-              <a:spcAft>
-                <a:spcPts val="0"/>
-              </a:spcAft>
-              <a:buNone/>
-            </a:pPr>
-            <a:r>
-              <a:rPr lang="en"/>
-              <a:t>-Stability in Uncertain Conditions</a:t>
-            </a:r>
-            <a:endParaRPr/>
-          </a:p>
-          <a:p>
-            <a:pPr indent="0" lvl="0" marL="0" rtl="0" algn="l">
-              <a:spcBef>
-                <a:spcPts val="0"/>
-              </a:spcBef>
-              <a:spcAft>
-                <a:spcPts val="0"/>
-              </a:spcAft>
-              <a:buNone/>
-            </a:pPr>
-            <a:r>
-              <a:rPr lang="en"/>
-              <a:t>-Handling Market Volatility</a:t>
-            </a:r>
-            <a:endParaRPr/>
-          </a:p>
-          <a:p>
-            <a:pPr indent="0" lvl="0" marL="0" rtl="0" algn="l">
-              <a:spcBef>
-                <a:spcPts val="0"/>
-              </a:spcBef>
-              <a:spcAft>
-                <a:spcPts val="0"/>
-              </a:spcAft>
-              <a:buNone/>
-            </a:pPr>
-            <a:r>
-              <a:rPr lang="en"/>
-              <a:t>-Strategic Planning</a:t>
-            </a:r>
-            <a:endParaRPr/>
-          </a:p>
-        </p:txBody>
-      </p:sp>
-      <p:sp>
-        <p:nvSpPr>
-          <p:cNvPr id="573" name="Google Shape;573;p35"/>
-          <p:cNvSpPr txBox="1"/>
-          <p:nvPr>
-            <p:ph idx="3" type="subTitle"/>
-          </p:nvPr>
-        </p:nvSpPr>
-        <p:spPr>
-          <a:xfrm>
-            <a:off x="4582846" y="2205025"/>
-            <a:ext cx="3953700" cy="414900"/>
-          </a:xfrm>
-          <a:prstGeom prst="rect">
-            <a:avLst/>
-          </a:prstGeom>
-        </p:spPr>
-        <p:txBody>
-          <a:bodyPr anchorCtr="0" anchor="b" bIns="91425" lIns="91425" spcFirstLastPara="1" rIns="91425" wrap="square" tIns="91425">
-            <a:noAutofit/>
-          </a:bodyPr>
-          <a:lstStyle/>
-          <a:p>
-            <a:pPr indent="-381000" lvl="0" marL="457200" rtl="0" algn="l">
-              <a:spcBef>
-                <a:spcPts val="0"/>
-              </a:spcBef>
-              <a:spcAft>
-                <a:spcPts val="0"/>
-              </a:spcAft>
-              <a:buSzPts val="2400"/>
-              <a:buChar char="●"/>
-            </a:pPr>
-            <a:r>
-              <a:rPr lang="en"/>
-              <a:t>Pole Balancing Game</a:t>
-            </a:r>
-            <a:endParaRPr/>
-          </a:p>
-        </p:txBody>
-      </p:sp>
-      <p:sp>
-        <p:nvSpPr>
-          <p:cNvPr id="574" name="Google Shape;574;p35"/>
-          <p:cNvSpPr txBox="1"/>
-          <p:nvPr>
-            <p:ph idx="4" type="subTitle"/>
-          </p:nvPr>
-        </p:nvSpPr>
-        <p:spPr>
-          <a:xfrm>
-            <a:off x="1314850" y="2205026"/>
-            <a:ext cx="2560500" cy="414900"/>
-          </a:xfrm>
-          <a:prstGeom prst="rect">
-            <a:avLst/>
-          </a:prstGeom>
-        </p:spPr>
-        <p:txBody>
-          <a:bodyPr anchorCtr="0" anchor="b" bIns="91425" lIns="91425" spcFirstLastPara="1" rIns="91425" wrap="square" tIns="91425">
-            <a:noAutofit/>
-          </a:bodyPr>
-          <a:lstStyle/>
-          <a:p>
-            <a:pPr indent="-381000" lvl="0" marL="457200" rtl="0" algn="l">
-              <a:spcBef>
-                <a:spcPts val="0"/>
-              </a:spcBef>
-              <a:spcAft>
-                <a:spcPts val="0"/>
-              </a:spcAft>
-              <a:buSzPts val="2400"/>
-              <a:buChar char="●"/>
-            </a:pPr>
-            <a:r>
-              <a:rPr lang="en"/>
-              <a:t>Taxi Game</a:t>
-            </a:r>
-            <a:endParaRPr/>
+            <a:endParaRPr>
+              <a:solidFill>
+                <a:schemeClr val="dk1"/>
+              </a:solidFill>
+              <a:latin typeface="Lato"/>
+              <a:ea typeface="Lato"/>
+              <a:cs typeface="Lato"/>
+              <a:sym typeface="Lato"/>
+            </a:endParaRPr>
           </a:p>
         </p:txBody>
       </p:sp>
@@ -45339,8 +45280,8 @@
         </p:nvSpPr>
         <p:spPr>
           <a:xfrm>
-            <a:off x="1734075" y="339650"/>
-            <a:ext cx="7514400" cy="572700"/>
+            <a:off x="759975" y="3986150"/>
+            <a:ext cx="5345700" cy="254700"/>
           </a:xfrm>
           <a:prstGeom prst="rect">
             <a:avLst/>
@@ -45366,50 +45307,15 @@
               <a:buNone/>
             </a:pPr>
             <a:r>
-              <a:rPr b="1" lang="en" sz="2700">
+              <a:rPr lang="en" sz="1000" u="sng">
                 <a:solidFill>
-                  <a:schemeClr val="dk1"/>
+                  <a:schemeClr val="hlink"/>
                 </a:solidFill>
-                <a:latin typeface="Sora"/>
-                <a:ea typeface="Sora"/>
-                <a:cs typeface="Sora"/>
-                <a:sym typeface="Sora"/>
+                <a:hlinkClick r:id="rId5"/>
               </a:rPr>
-              <a:t>Proof of Concept: </a:t>
+              <a:t>https://livebook.manning.com/concept/reinforcement-learning/cart-pole-environment</a:t>
             </a:r>
-            <a:endParaRPr b="1" sz="2700">
-              <a:solidFill>
-                <a:schemeClr val="dk1"/>
-              </a:solidFill>
-              <a:latin typeface="Sora"/>
-              <a:ea typeface="Sora"/>
-              <a:cs typeface="Sora"/>
-              <a:sym typeface="Sora"/>
-            </a:endParaRPr>
-          </a:p>
-          <a:p>
-            <a:pPr indent="0" lvl="0" marL="0" rtl="0" algn="l">
-              <a:spcBef>
-                <a:spcPts val="0"/>
-              </a:spcBef>
-              <a:spcAft>
-                <a:spcPts val="0"/>
-              </a:spcAft>
-              <a:buNone/>
-            </a:pPr>
-            <a:r>
-              <a:rPr b="1" lang="en" sz="2700">
-                <a:solidFill>
-                  <a:schemeClr val="dk1"/>
-                </a:solidFill>
-                <a:latin typeface="Sora"/>
-                <a:ea typeface="Sora"/>
-                <a:cs typeface="Sora"/>
-                <a:sym typeface="Sora"/>
-              </a:rPr>
-              <a:t>Reinforcement Learning in Action</a:t>
-            </a:r>
-            <a:endParaRPr>
+            <a:endParaRPr sz="1300">
               <a:solidFill>
                 <a:schemeClr val="dk1"/>
               </a:solidFill>
@@ -45421,16 +45327,24 @@
           </a:p>
         </p:txBody>
       </p:sp>
-      <p:sp>
-        <p:nvSpPr>
+      <p:pic>
+        <p:nvPicPr>
           <p:cNvPr id="576" name="Google Shape;576;p35"/>
-          <p:cNvSpPr txBox="1"/>
+          <p:cNvPicPr preferRelativeResize="0"/>
           <p:nvPr/>
-        </p:nvSpPr>
+        </p:nvPicPr>
+        <p:blipFill>
+          <a:blip r:embed="rId6">
+            <a:alphaModFix/>
+          </a:blip>
+          <a:stretch>
+            <a:fillRect/>
+          </a:stretch>
+        </p:blipFill>
         <p:spPr>
           <a:xfrm>
-            <a:off x="1623325" y="2571750"/>
-            <a:ext cx="3000000" cy="1391400"/>
+            <a:off x="1039600" y="1953600"/>
+            <a:ext cx="4372601" cy="2109138"/>
           </a:xfrm>
           <a:prstGeom prst="rect">
             <a:avLst/>
@@ -45440,200 +45354,7 @@
             <a:noFill/>
           </a:ln>
         </p:spPr>
-        <p:txBody>
-          <a:bodyPr anchorCtr="0" anchor="t" bIns="91425" lIns="91425" spcFirstLastPara="1" rIns="91425" wrap="square" tIns="91425">
-            <a:spAutoFit/>
-          </a:bodyPr>
-          <a:lstStyle/>
-          <a:p>
-            <a:pPr indent="0" lvl="0" marL="0" marR="0" rtl="0" algn="l">
-              <a:lnSpc>
-                <a:spcPct val="115000"/>
-              </a:lnSpc>
-              <a:spcBef>
-                <a:spcPts val="0"/>
-              </a:spcBef>
-              <a:spcAft>
-                <a:spcPts val="0"/>
-              </a:spcAft>
-              <a:buNone/>
-            </a:pPr>
-            <a:r>
-              <a:rPr lang="en">
-                <a:solidFill>
-                  <a:schemeClr val="dk1"/>
-                </a:solidFill>
-                <a:latin typeface="Lato"/>
-                <a:ea typeface="Lato"/>
-                <a:cs typeface="Lato"/>
-                <a:sym typeface="Lato"/>
-              </a:rPr>
-              <a:t>-</a:t>
-            </a:r>
-            <a:r>
-              <a:rPr lang="en">
-                <a:solidFill>
-                  <a:schemeClr val="dk1"/>
-                </a:solidFill>
-                <a:latin typeface="Lato"/>
-                <a:ea typeface="Lato"/>
-                <a:cs typeface="Lato"/>
-                <a:sym typeface="Lato"/>
-              </a:rPr>
-              <a:t>Logistics Optimization</a:t>
-            </a:r>
-            <a:endParaRPr>
-              <a:solidFill>
-                <a:schemeClr val="dk1"/>
-              </a:solidFill>
-              <a:latin typeface="Lato"/>
-              <a:ea typeface="Lato"/>
-              <a:cs typeface="Lato"/>
-              <a:sym typeface="Lato"/>
-            </a:endParaRPr>
-          </a:p>
-          <a:p>
-            <a:pPr indent="0" lvl="0" marL="0" marR="0" rtl="0" algn="l">
-              <a:lnSpc>
-                <a:spcPct val="115000"/>
-              </a:lnSpc>
-              <a:spcBef>
-                <a:spcPts val="0"/>
-              </a:spcBef>
-              <a:spcAft>
-                <a:spcPts val="0"/>
-              </a:spcAft>
-              <a:buNone/>
-            </a:pPr>
-            <a:r>
-              <a:rPr lang="en">
-                <a:solidFill>
-                  <a:schemeClr val="dk1"/>
-                </a:solidFill>
-                <a:latin typeface="Lato"/>
-                <a:ea typeface="Lato"/>
-                <a:cs typeface="Lato"/>
-                <a:sym typeface="Lato"/>
-              </a:rPr>
-              <a:t>-Route Efficiency</a:t>
-            </a:r>
-            <a:endParaRPr>
-              <a:solidFill>
-                <a:schemeClr val="dk1"/>
-              </a:solidFill>
-              <a:latin typeface="Lato"/>
-              <a:ea typeface="Lato"/>
-              <a:cs typeface="Lato"/>
-              <a:sym typeface="Lato"/>
-            </a:endParaRPr>
-          </a:p>
-          <a:p>
-            <a:pPr indent="0" lvl="0" marL="0" marR="0" rtl="0" algn="l">
-              <a:lnSpc>
-                <a:spcPct val="115000"/>
-              </a:lnSpc>
-              <a:spcBef>
-                <a:spcPts val="0"/>
-              </a:spcBef>
-              <a:spcAft>
-                <a:spcPts val="0"/>
-              </a:spcAft>
-              <a:buNone/>
-            </a:pPr>
-            <a:r>
-              <a:rPr lang="en">
-                <a:solidFill>
-                  <a:schemeClr val="dk1"/>
-                </a:solidFill>
-                <a:latin typeface="Lato"/>
-                <a:ea typeface="Lato"/>
-                <a:cs typeface="Lato"/>
-                <a:sym typeface="Lato"/>
-              </a:rPr>
-              <a:t>-Resource Management</a:t>
-            </a:r>
-            <a:endParaRPr>
-              <a:solidFill>
-                <a:schemeClr val="dk1"/>
-              </a:solidFill>
-              <a:latin typeface="Lato"/>
-              <a:ea typeface="Lato"/>
-              <a:cs typeface="Lato"/>
-              <a:sym typeface="Lato"/>
-            </a:endParaRPr>
-          </a:p>
-          <a:p>
-            <a:pPr indent="0" lvl="0" marL="0" marR="0" rtl="0" algn="l">
-              <a:lnSpc>
-                <a:spcPct val="115000"/>
-              </a:lnSpc>
-              <a:spcBef>
-                <a:spcPts val="0"/>
-              </a:spcBef>
-              <a:spcAft>
-                <a:spcPts val="0"/>
-              </a:spcAft>
-              <a:buNone/>
-            </a:pPr>
-            <a:r>
-              <a:rPr lang="en">
-                <a:solidFill>
-                  <a:schemeClr val="dk1"/>
-                </a:solidFill>
-                <a:latin typeface="Lato"/>
-                <a:ea typeface="Lato"/>
-                <a:cs typeface="Lato"/>
-                <a:sym typeface="Lato"/>
-              </a:rPr>
-              <a:t>-Time Savings</a:t>
-            </a:r>
-            <a:endParaRPr>
-              <a:solidFill>
-                <a:schemeClr val="dk1"/>
-              </a:solidFill>
-              <a:latin typeface="Lato"/>
-              <a:ea typeface="Lato"/>
-              <a:cs typeface="Lato"/>
-              <a:sym typeface="Lato"/>
-            </a:endParaRPr>
-          </a:p>
-          <a:p>
-            <a:pPr indent="0" lvl="0" marL="0" marR="0" rtl="0" algn="l">
-              <a:lnSpc>
-                <a:spcPct val="115000"/>
-              </a:lnSpc>
-              <a:spcBef>
-                <a:spcPts val="0"/>
-              </a:spcBef>
-              <a:spcAft>
-                <a:spcPts val="0"/>
-              </a:spcAft>
-              <a:buNone/>
-            </a:pPr>
-            <a:r>
-              <a:rPr lang="en">
-                <a:solidFill>
-                  <a:schemeClr val="dk1"/>
-                </a:solidFill>
-                <a:latin typeface="Lato"/>
-                <a:ea typeface="Lato"/>
-                <a:cs typeface="Lato"/>
-                <a:sym typeface="Lato"/>
-              </a:rPr>
-              <a:t>-Adaptive Learning</a:t>
-            </a:r>
-            <a:endParaRPr b="1" sz="1600">
-              <a:solidFill>
-                <a:schemeClr val="dk1"/>
-              </a:solidFill>
-              <a:latin typeface="Lato"/>
-              <a:ea typeface="Lato"/>
-              <a:cs typeface="Lato"/>
-              <a:sym typeface="Lato"/>
-            </a:endParaRPr>
-          </a:p>
-        </p:txBody>
-      </p:sp>
+      </p:pic>
     </p:spTree>
   </p:cSld>
   <p:clrMapOvr>
@@ -45669,20 +45390,20 @@
         </p:nvSpPr>
         <p:spPr>
           <a:xfrm>
-            <a:off x="1786800" y="292625"/>
-            <a:ext cx="7529100" cy="402000"/>
+            <a:off x="1284000" y="1118629"/>
+            <a:ext cx="6576000" cy="1797300"/>
           </a:xfrm>
           <a:prstGeom prst="rect">
             <a:avLst/>
           </a:prstGeom>
         </p:spPr>
         <p:txBody>
-          <a:bodyPr anchorCtr="0" anchor="t" bIns="91425" lIns="91425" spcFirstLastPara="1" rIns="91425" wrap="square" tIns="91425">
+          <a:bodyPr anchorCtr="0" anchor="ctr" bIns="91425" lIns="91425" spcFirstLastPara="1" rIns="91425" wrap="square" tIns="91425">
             <a:noAutofit/>
           </a:bodyPr>
           <a:lstStyle/>
           <a:p>
-            <a:pPr indent="0" lvl="0" marL="0" rtl="0" algn="l">
+            <a:pPr indent="0" lvl="0" marL="0" rtl="0" algn="ctr">
               <a:spcBef>
                 <a:spcPts val="0"/>
               </a:spcBef>
@@ -45692,153 +45413,37 @@
               <a:buNone/>
             </a:pPr>
             <a:r>
-              <a:rPr lang="en" sz="2300"/>
-              <a:t>What's the Pole Balancing Game?</a:t>
+              <a:rPr lang="en" sz="2800"/>
+              <a:t>Let's explore a practical example of optimizing decisions through a game simulation</a:t>
             </a:r>
-            <a:endParaRPr sz="2300"/>
-          </a:p>
-        </p:txBody>
-      </p:sp>
-      <p:pic>
-        <p:nvPicPr>
-          <p:cNvPr id="582" name="Google Shape;582;p36"/>
-          <p:cNvPicPr preferRelativeResize="0"/>
-          <p:nvPr/>
-        </p:nvPicPr>
-        <p:blipFill>
-          <a:blip r:embed="rId3">
-            <a:alphaModFix/>
-          </a:blip>
-          <a:stretch>
-            <a:fillRect/>
-          </a:stretch>
-        </p:blipFill>
-        <p:spPr>
-          <a:xfrm>
-            <a:off x="799425" y="337925"/>
-            <a:ext cx="682250" cy="682250"/>
-          </a:xfrm>
-          <a:prstGeom prst="rect">
-            <a:avLst/>
-          </a:prstGeom>
-          <a:noFill/>
-          <a:ln>
-            <a:noFill/>
-          </a:ln>
-        </p:spPr>
-      </p:pic>
-      <p:pic>
-        <p:nvPicPr>
-          <p:cNvPr id="583" name="Google Shape;583;p36"/>
-          <p:cNvPicPr preferRelativeResize="0"/>
-          <p:nvPr/>
-        </p:nvPicPr>
-        <p:blipFill>
-          <a:blip r:embed="rId4">
-            <a:alphaModFix/>
-          </a:blip>
-          <a:stretch>
-            <a:fillRect/>
-          </a:stretch>
-        </p:blipFill>
-        <p:spPr>
-          <a:xfrm>
-            <a:off x="6030300" y="1495375"/>
-            <a:ext cx="1669026" cy="3191251"/>
-          </a:xfrm>
-          <a:prstGeom prst="rect">
-            <a:avLst/>
-          </a:prstGeom>
-          <a:noFill/>
-          <a:ln>
-            <a:noFill/>
-          </a:ln>
-        </p:spPr>
-      </p:pic>
-      <p:sp>
-        <p:nvSpPr>
-          <p:cNvPr id="584" name="Google Shape;584;p36"/>
-          <p:cNvSpPr txBox="1"/>
-          <p:nvPr/>
-        </p:nvSpPr>
-        <p:spPr>
-          <a:xfrm>
-            <a:off x="1374875" y="776150"/>
-            <a:ext cx="6074100" cy="254700"/>
-          </a:xfrm>
-          <a:prstGeom prst="rect">
-            <a:avLst/>
-          </a:prstGeom>
-          <a:noFill/>
-          <a:ln>
-            <a:noFill/>
-          </a:ln>
-        </p:spPr>
-        <p:txBody>
-          <a:bodyPr anchorCtr="0" anchor="t" bIns="91425" lIns="91425" spcFirstLastPara="1" rIns="91425" wrap="square" tIns="91425">
-            <a:noAutofit/>
-          </a:bodyPr>
-          <a:lstStyle/>
-          <a:p>
-            <a:pPr indent="0" lvl="0" marL="457200" rtl="0" algn="l">
-              <a:spcBef>
-                <a:spcPts val="0"/>
-              </a:spcBef>
-              <a:spcAft>
-                <a:spcPts val="0"/>
-              </a:spcAft>
-              <a:buNone/>
-            </a:pPr>
-            <a:r>
-              <a:rPr lang="en">
-                <a:solidFill>
-                  <a:schemeClr val="dk1"/>
-                </a:solidFill>
-                <a:latin typeface="Lato"/>
-                <a:ea typeface="Lato"/>
-                <a:cs typeface="Lato"/>
-                <a:sym typeface="Lato"/>
-              </a:rPr>
-              <a:t>Learning environment in the Open-AI Gym reinforcement learning</a:t>
-            </a:r>
-            <a:endParaRPr>
-              <a:solidFill>
-                <a:schemeClr val="dk1"/>
-              </a:solidFill>
-              <a:latin typeface="Lato"/>
-              <a:ea typeface="Lato"/>
-              <a:cs typeface="Lato"/>
-              <a:sym typeface="Lato"/>
-            </a:endParaRPr>
+            <a:endParaRPr sz="2800"/>
           </a:p>
         </p:txBody>
       </p:sp>
       <p:sp>
         <p:nvSpPr>
-          <p:cNvPr id="585" name="Google Shape;585;p36"/>
+          <p:cNvPr id="582" name="Google Shape;582;p36"/>
           <p:cNvSpPr txBox="1"/>
-          <p:nvPr/>
+          <p:nvPr>
+            <p:ph idx="1" type="subTitle"/>
+          </p:nvPr>
         </p:nvSpPr>
         <p:spPr>
           <a:xfrm>
-            <a:off x="759975" y="3986150"/>
-            <a:ext cx="5345700" cy="254700"/>
+            <a:off x="1284000" y="3090788"/>
+            <a:ext cx="6576000" cy="365700"/>
           </a:xfrm>
           <a:prstGeom prst="rect">
             <a:avLst/>
           </a:prstGeom>
-          <a:noFill/>
-          <a:ln>
-            <a:noFill/>
-          </a:ln>
         </p:spPr>
         <p:txBody>
-          <a:bodyPr anchorCtr="0" anchor="t" bIns="91425" lIns="91425" spcFirstLastPara="1" rIns="91425" wrap="square" tIns="91425">
+          <a:bodyPr anchorCtr="0" anchor="ctr" bIns="91425" lIns="91425" spcFirstLastPara="1" rIns="91425" wrap="square" tIns="91425">
             <a:noAutofit/>
           </a:bodyPr>
           <a:lstStyle/>
           <a:p>
-            <a:pPr indent="0" lvl="0" marL="0" rtl="0" algn="l">
+            <a:pPr indent="0" lvl="0" marL="0" rtl="0" algn="ctr">
               <a:spcBef>
                 <a:spcPts val="0"/>
               </a:spcBef>
@@ -45848,54 +45453,130 @@
               <a:buNone/>
             </a:pPr>
             <a:r>
-              <a:rPr lang="en" sz="1000" u="sng">
-                <a:solidFill>
-                  <a:schemeClr val="hlink"/>
-                </a:solidFill>
-                <a:hlinkClick r:id="rId5"/>
-              </a:rPr>
-              <a:t>https://livebook.manning.com/concept/reinforcement-learning/cart-pole-environment</a:t>
+              <a:rPr lang="en"/>
+              <a:t>Taxi Game / Pole Balancing Game</a:t>
             </a:r>
-            <a:endParaRPr sz="1300">
-              <a:solidFill>
-                <a:schemeClr val="dk1"/>
-              </a:solidFill>
-              <a:latin typeface="Lato"/>
-              <a:ea typeface="Lato"/>
-              <a:cs typeface="Lato"/>
-              <a:sym typeface="Lato"/>
-            </a:endParaRPr>
+            <a:endParaRPr/>
           </a:p>
         </p:txBody>
       </p:sp>
-      <p:pic>
-        <p:nvPicPr>
-          <p:cNvPr id="586" name="Google Shape;586;p36"/>
-          <p:cNvPicPr preferRelativeResize="0"/>
+      <p:cxnSp>
+        <p:nvCxnSpPr>
+          <p:cNvPr id="583" name="Google Shape;583;p36"/>
+          <p:cNvCxnSpPr>
+            <a:endCxn id="581" idx="0"/>
+          </p:cNvCxnSpPr>
           <p:nvPr/>
-        </p:nvPicPr>
-        <p:blipFill>
-          <a:blip r:embed="rId6">
-            <a:alphaModFix/>
-          </a:blip>
-          <a:stretch>
-            <a:fillRect/>
-          </a:stretch>
-        </p:blipFill>
+        </p:nvCxnSpPr>
+        <p:spPr>
+          <a:xfrm flipH="1" rot="-5400000">
+            <a:off x="3319200" y="-134171"/>
+            <a:ext cx="1700100" cy="805500"/>
+          </a:xfrm>
+          <a:prstGeom prst="bentConnector3">
+            <a:avLst>
+              <a:gd fmla="val 50000" name="adj1"/>
+            </a:avLst>
+          </a:prstGeom>
+          <a:noFill/>
+          <a:ln cap="flat" cmpd="sng" w="19050">
+            <a:solidFill>
+              <a:schemeClr val="lt2"/>
+            </a:solidFill>
+            <a:prstDash val="solid"/>
+            <a:round/>
+            <a:headEnd len="med" w="med" type="none"/>
+            <a:tailEnd len="med" w="med" type="oval"/>
+          </a:ln>
+        </p:spPr>
+      </p:cxnSp>
+      <p:cxnSp>
+        <p:nvCxnSpPr>
+          <p:cNvPr id="584" name="Google Shape;584;p36"/>
+          <p:cNvCxnSpPr>
+            <a:stCxn id="581" idx="3"/>
+            <a:endCxn id="582" idx="3"/>
+          </p:cNvCxnSpPr>
+          <p:nvPr/>
+        </p:nvCxnSpPr>
         <p:spPr>
           <a:xfrm>
-            <a:off x="1039600" y="1953600"/>
-            <a:ext cx="4372601" cy="2109138"/>
+            <a:off x="7860000" y="2017279"/>
+            <a:ext cx="600" cy="1256400"/>
           </a:xfrm>
-          <a:prstGeom prst="rect">
+          <a:prstGeom prst="bentConnector3">
+            <a:avLst>
+              <a:gd fmla="val 39687500" name="adj1"/>
+            </a:avLst>
+          </a:prstGeom>
+          <a:noFill/>
+          <a:ln cap="flat" cmpd="sng" w="19050">
+            <a:solidFill>
+              <a:schemeClr val="lt2"/>
+            </a:solidFill>
+            <a:prstDash val="solid"/>
+            <a:round/>
+            <a:headEnd len="med" w="med" type="none"/>
+            <a:tailEnd len="med" w="med" type="oval"/>
+          </a:ln>
+        </p:spPr>
+      </p:cxnSp>
+      <p:cxnSp>
+        <p:nvCxnSpPr>
+          <p:cNvPr id="585" name="Google Shape;585;p36"/>
+          <p:cNvCxnSpPr>
+            <a:stCxn id="582" idx="2"/>
+          </p:cNvCxnSpPr>
+          <p:nvPr/>
+        </p:nvCxnSpPr>
+        <p:spPr>
+          <a:xfrm flipH="1" rot="-5400000">
+            <a:off x="6153300" y="1875188"/>
+            <a:ext cx="863100" cy="4025700"/>
+          </a:xfrm>
+          <a:prstGeom prst="bentConnector2">
             <a:avLst/>
           </a:prstGeom>
           <a:noFill/>
-          <a:ln>
-            <a:noFill/>
+          <a:ln cap="flat" cmpd="sng" w="19050">
+            <a:solidFill>
+              <a:schemeClr val="lt2"/>
+            </a:solidFill>
+            <a:prstDash val="solid"/>
+            <a:round/>
+            <a:headEnd len="med" w="med" type="none"/>
+            <a:tailEnd len="med" w="med" type="oval"/>
           </a:ln>
         </p:spPr>
-      </p:pic>
+      </p:cxnSp>
+      <p:cxnSp>
+        <p:nvCxnSpPr>
+          <p:cNvPr id="586" name="Google Shape;586;p36"/>
+          <p:cNvCxnSpPr/>
+          <p:nvPr/>
+        </p:nvCxnSpPr>
+        <p:spPr>
+          <a:xfrm flipH="1" rot="-5400000">
+            <a:off x="3479575" y="38925"/>
+            <a:ext cx="1422900" cy="987000"/>
+          </a:xfrm>
+          <a:prstGeom prst="bentConnector3">
+            <a:avLst>
+              <a:gd fmla="val 50000" name="adj1"/>
+            </a:avLst>
+          </a:prstGeom>
+          <a:noFill/>
+          <a:ln cap="flat" cmpd="sng" w="19050">
+            <a:solidFill>
+              <a:schemeClr val="lt2"/>
+            </a:solidFill>
+            <a:prstDash val="solid"/>
+            <a:round/>
+            <a:headEnd len="med" w="med" type="none"/>
+            <a:tailEnd len="med" w="med" type="oval"/>
+          </a:ln>
+        </p:spPr>
+      </p:cxnSp>
     </p:spTree>
   </p:cSld>
   <p:clrMapOvr>
@@ -46091,6 +45772,285 @@
 </file>
 
 <file path=ppt/theme/theme1.xml><?xml version="1.0" encoding="utf-8"?>
+<a:theme xmlns:a="http://schemas.openxmlformats.org/drawingml/2006/main" xmlns:r="http://schemas.openxmlformats.org/officeDocument/2006/relationships">
+  <a:themeElements>
+    <a:clrScheme name="Default">
+      <a:dk1>
+        <a:srgbClr val="000000"/>
+      </a:dk1>
+      <a:lt1>
+        <a:srgbClr val="FFFFFF"/>
+      </a:lt1>
+      <a:dk2>
+        <a:srgbClr val="158158"/>
+      </a:dk2>
+      <a:lt2>
+        <a:srgbClr val="F3F3F3"/>
+      </a:lt2>
+      <a:accent1>
+        <a:srgbClr val="058DC7"/>
+      </a:accent1>
+      <a:accent2>
+        <a:srgbClr val="50B432"/>
+      </a:accent2>
+      <a:accent3>
+        <a:srgbClr val="ED561B"/>
+      </a:accent3>
+      <a:accent4>
+        <a:srgbClr val="EDEF00"/>
+      </a:accent4>
+      <a:accent5>
+        <a:srgbClr val="24CBE5"/>
+      </a:accent5>
+      <a:accent6>
+        <a:srgbClr val="64E572"/>
+      </a:accent6>
+      <a:hlink>
+        <a:srgbClr val="2200CC"/>
+      </a:hlink>
+      <a:folHlink>
+        <a:srgbClr val="551A8B"/>
+      </a:folHlink>
+    </a:clrScheme>
+    <a:fontScheme name="Office">
+      <a:majorFont>
+        <a:latin typeface="Arial"/>
+        <a:ea typeface=""/>
+        <a:cs typeface=""/>
+        <a:font script="Jpan" typeface="ＭＳ Ｐゴシック"/>
+        <a:font script="Hang" typeface="맑은 고딕"/>
+        <a:font script="Hans" typeface="宋体"/>
+        <a:font script="Hant" typeface="新細明體"/>
+        <a:font script="Arab" typeface="Times New Roman"/>
+        <a:font script="Hebr" typeface="Times New Roman"/>
+        <a:font script="Thai" typeface="Angsana New"/>
+        <a:font script="Ethi" typeface="Nyala"/>
+        <a:font script="Beng" typeface="Vrinda"/>
+        <a:font script="Gujr" typeface="Shruti"/>
+        <a:font script="Khmr" typeface="MoolBoran"/>
+        <a:font script="Knda" typeface="Tunga"/>
+        <a:font script="Guru" typeface="Raavi"/>
+        <a:font script="Cans" typeface="Euphemia"/>
+        <a:font script="Cher" typeface="Plantagenet Cherokee"/>
+        <a:font script="Yiii" typeface="Microsoft Yi Baiti"/>
+        <a:font script="Tibt" typeface="Microsoft Himalaya"/>
+        <a:font script="Thaa" typeface="MV Boli"/>
+        <a:font script="Deva" typeface="Mangal"/>
+        <a:font script="Telu" typeface="Gautami"/>
+        <a:font script="Taml" typeface="Latha"/>
+        <a:font script="Syrc" typeface="Estrangelo Edessa"/>
+        <a:font script="Orya" typeface="Kalinga"/>
+        <a:font script="Mlym" typeface="Kartika"/>
+        <a:font script="Laoo" typeface="DokChampa"/>
+        <a:font script="Sinh" typeface="Iskoola Pota"/>
+        <a:font script="Mong" typeface="Mongolian Baiti"/>
+        <a:font script="Viet" typeface="Times New Roman"/>
+        <a:font script="Uigh" typeface="Microsoft Uighur"/>
+        <a:font script="Geor" typeface="Sylfaen"/>
+      </a:majorFont>
+      <a:minorFont>
+        <a:latin typeface="Arial"/>
+        <a:ea typeface=""/>
+        <a:cs typeface=""/>
+        <a:font script="Jpan" typeface="ＭＳ Ｐゴシック"/>
+        <a:font script="Hang" typeface="맑은 고딕"/>
+        <a:font script="Hans" typeface="宋体"/>
+        <a:font script="Hant" typeface="新細明體"/>
+        <a:font script="Arab" typeface="Arial"/>
+        <a:font script="Hebr" typeface="Arial"/>
+        <a:font script="Thai" typeface="Cordia New"/>
+        <a:font script="Ethi" typeface="Nyala"/>
+        <a:font script="Beng" typeface="Vrinda"/>
+        <a:font script="Gujr" typeface="Shruti"/>
+        <a:font script="Khmr" typeface="DaunPenh"/>
+        <a:font script="Knda" typeface="Tunga"/>
+        <a:font script="Guru" typeface="Raavi"/>
+        <a:font script="Cans" typeface="Euphemia"/>
+        <a:font script="Cher" typeface="Plantagenet Cherokee"/>
+        <a:font script="Yiii" typeface="Microsoft Yi Baiti"/>
+        <a:font script="Tibt" typeface="Microsoft Himalaya"/>
+        <a:font script="Thaa" typeface="MV Boli"/>
+        <a:font script="Deva" typeface="Mangal"/>
+        <a:font script="Telu" typeface="Gautami"/>
+        <a:font script="Taml" typeface="Latha"/>
+        <a:font script="Syrc" typeface="Estrangelo Edessa"/>
+        <a:font script="Orya" typeface="Kalinga"/>
+        <a:font script="Mlym" typeface="Kartika"/>
+        <a:font script="Laoo" typeface="DokChampa"/>
+        <a:font script="Sinh" typeface="Iskoola Pota"/>
+        <a:font script="Mong" typeface="Mongolian Baiti"/>
+        <a:font script="Viet" typeface="Arial"/>
+        <a:font script="Uigh" typeface="Microsoft Uighur"/>
+        <a:font script="Geor" typeface="Sylfaen"/>
+      </a:minorFont>
+    </a:fontScheme>
+    <a:fmtScheme name="Office">
+      <a:fillStyleLst>
+        <a:solidFill>
+          <a:schemeClr val="phClr"/>
+        </a:solidFill>
+        <a:gradFill rotWithShape="1">
+          <a:gsLst>
+            <a:gs pos="0">
+              <a:schemeClr val="phClr">
+                <a:tint val="50000"/>
+                <a:satMod val="300000"/>
+              </a:schemeClr>
+            </a:gs>
+            <a:gs pos="35000">
+              <a:schemeClr val="phClr">
+                <a:tint val="37000"/>
+                <a:satMod val="300000"/>
+              </a:schemeClr>
+            </a:gs>
+            <a:gs pos="100000">
+              <a:schemeClr val="phClr">
+                <a:tint val="15000"/>
+                <a:satMod val="350000"/>
+              </a:schemeClr>
+            </a:gs>
+          </a:gsLst>
+          <a:lin ang="16200000" scaled="1"/>
+        </a:gradFill>
+        <a:gradFill rotWithShape="1">
+          <a:gsLst>
+            <a:gs pos="0">
+              <a:schemeClr val="phClr">
+                <a:tint val="100000"/>
+                <a:shade val="100000"/>
+                <a:satMod val="130000"/>
+              </a:schemeClr>
+            </a:gs>
+            <a:gs pos="100000">
+              <a:schemeClr val="phClr">
+                <a:tint val="50000"/>
+                <a:shade val="100000"/>
+                <a:satMod val="350000"/>
+              </a:schemeClr>
+            </a:gs>
+          </a:gsLst>
+          <a:lin ang="16200000" scaled="0"/>
+        </a:gradFill>
+      </a:fillStyleLst>
+      <a:lnStyleLst>
+        <a:ln w="9525" cap="flat" cmpd="sng" algn="ctr">
+          <a:solidFill>
+            <a:schemeClr val="phClr">
+              <a:shade val="95000"/>
+              <a:satMod val="105000"/>
+            </a:schemeClr>
+          </a:solidFill>
+          <a:prstDash val="solid"/>
+        </a:ln>
+        <a:ln w="25400" cap="flat" cmpd="sng" algn="ctr">
+          <a:solidFill>
+            <a:schemeClr val="phClr"/>
+          </a:solidFill>
+          <a:prstDash val="solid"/>
+        </a:ln>
+        <a:ln w="38100" cap="flat" cmpd="sng" algn="ctr">
+          <a:solidFill>
+            <a:schemeClr val="phClr"/>
+          </a:solidFill>
+          <a:prstDash val="solid"/>
+        </a:ln>
+      </a:lnStyleLst>
+      <a:effectStyleLst>
+        <a:effectStyle>
+          <a:effectLst>
+            <a:outerShdw blurRad="40000" dist="20000" dir="5400000" rotWithShape="0">
+              <a:srgbClr val="000000">
+                <a:alpha val="38000"/>
+              </a:srgbClr>
+            </a:outerShdw>
+          </a:effectLst>
+        </a:effectStyle>
+        <a:effectStyle>
+          <a:effectLst>
+            <a:outerShdw blurRad="40000" dist="23000" dir="5400000" rotWithShape="0">
+              <a:srgbClr val="000000">
+                <a:alpha val="35000"/>
+              </a:srgbClr>
+            </a:outerShdw>
+          </a:effectLst>
+        </a:effectStyle>
+        <a:effectStyle>
+          <a:effectLst>
+            <a:outerShdw blurRad="40000" dist="23000" dir="5400000" rotWithShape="0">
+              <a:srgbClr val="000000">
+                <a:alpha val="35000"/>
+              </a:srgbClr>
+            </a:outerShdw>
+          </a:effectLst>
+          <a:scene3d>
+            <a:camera prst="orthographicFront">
+              <a:rot lat="0" lon="0" rev="0"/>
+            </a:camera>
+            <a:lightRig rig="threePt" dir="t">
+              <a:rot lat="0" lon="0" rev="1200000"/>
+            </a:lightRig>
+          </a:scene3d>
+          <a:sp3d>
+            <a:bevelT w="63500" h="25400"/>
+          </a:sp3d>
+        </a:effectStyle>
+      </a:effectStyleLst>
+      <a:bgFillStyleLst>
+        <a:solidFill>
+          <a:schemeClr val="phClr"/>
+        </a:solidFill>
+        <a:gradFill rotWithShape="1">
+          <a:gsLst>
+            <a:gs pos="0">
+              <a:schemeClr val="phClr">
+                <a:tint val="40000"/>
+                <a:satMod val="350000"/>
+              </a:schemeClr>
+            </a:gs>
+            <a:gs pos="40000">
+              <a:schemeClr val="phClr">
+                <a:tint val="45000"/>
+                <a:shade val="99000"/>
+                <a:satMod val="350000"/>
+              </a:schemeClr>
+            </a:gs>
+            <a:gs pos="100000">
+              <a:schemeClr val="phClr">
+                <a:shade val="20000"/>
+                <a:satMod val="255000"/>
+              </a:schemeClr>
+            </a:gs>
+          </a:gsLst>
+          <a:path path="circle">
+            <a:fillToRect l="50000" t="-80000" r="50000" b="180000"/>
+          </a:path>
+        </a:gradFill>
+        <a:gradFill rotWithShape="1">
+          <a:gsLst>
+            <a:gs pos="0">
+              <a:schemeClr val="phClr">
+                <a:tint val="80000"/>
+                <a:satMod val="300000"/>
+              </a:schemeClr>
+            </a:gs>
+            <a:gs pos="100000">
+              <a:schemeClr val="phClr">
+                <a:shade val="30000"/>
+                <a:satMod val="200000"/>
+              </a:schemeClr>
+            </a:gs>
+          </a:gsLst>
+          <a:path path="circle">
+            <a:fillToRect l="50000" t="50000" r="50000" b="50000"/>
+          </a:path>
+        </a:gradFill>
+      </a:bgFillStyleLst>
+    </a:fmtScheme>
+  </a:themeElements>
+</a:theme>
+</file>
+
+<file path=ppt/theme/theme2.xml><?xml version="1.0" encoding="utf-8"?>
 <a:theme xmlns:a="http://schemas.openxmlformats.org/drawingml/2006/main" xmlns:r="http://schemas.openxmlformats.org/officeDocument/2006/relationships" name="AI Essentials Workshop by Slidesgo">
   <a:themeElements>
     <a:clrScheme name="Simple Light">
@@ -46367,283 +46327,4 @@
     </a:fmtScheme>
   </a:themeElements>
 </a:theme>
-</file>
-
-<file path=ppt/theme/theme2.xml><?xml version="1.0" encoding="utf-8"?>
-<a:theme xmlns:a="http://schemas.openxmlformats.org/drawingml/2006/main" xmlns:r="http://schemas.openxmlformats.org/officeDocument/2006/relationships">
-  <a:themeElements>
-    <a:clrScheme name="Default">
-      <a:dk1>
-        <a:srgbClr val="000000"/>
-      </a:dk1>
-      <a:lt1>
-        <a:srgbClr val="FFFFFF"/>
-      </a:lt1>
-      <a:dk2>
-        <a:srgbClr val="158158"/>
-      </a:dk2>
-      <a:lt2>
-        <a:srgbClr val="F3F3F3"/>
-      </a:lt2>
-      <a:accent1>
-        <a:srgbClr val="058DC7"/>
-      </a:accent1>
-      <a:accent2>
-        <a:srgbClr val="50B432"/>
-      </a:accent2>
-      <a:accent3>
-        <a:srgbClr val="ED561B"/>
-      </a:accent3>
-      <a:accent4>
-        <a:srgbClr val="EDEF00"/>
-      </a:accent4>
-      <a:accent5>
-        <a:srgbClr val="24CBE5"/>
-      </a:accent5>
-      <a:accent6>
-        <a:srgbClr val="64E572"/>
-      </a:accent6>
-      <a:hlink>
-        <a:srgbClr val="2200CC"/>
-      </a:hlink>
-      <a:folHlink>
-        <a:srgbClr val="551A8B"/>
-      </a:folHlink>
-    </a:clrScheme>
-    <a:fontScheme name="Office">
-      <a:majorFont>
-        <a:latin typeface="Arial"/>
-        <a:ea typeface=""/>
-        <a:cs typeface=""/>
-        <a:font script="Jpan" typeface="ＭＳ Ｐゴシック"/>
-        <a:font script="Hang" typeface="맑은 고딕"/>
-        <a:font script="Hans" typeface="宋体"/>
-        <a:font script="Hant" typeface="新細明體"/>
-        <a:font script="Arab" typeface="Times New Roman"/>
-        <a:font script="Hebr" typeface="Times New Roman"/>
-        <a:font script="Thai" typeface="Angsana New"/>
-        <a:font script="Ethi" typeface="Nyala"/>
-        <a:font script="Beng" typeface="Vrinda"/>
-        <a:font script="Gujr" typeface="Shruti"/>
-        <a:font script="Khmr" typeface="MoolBoran"/>
-        <a:font script="Knda" typeface="Tunga"/>
-        <a:font script="Guru" typeface="Raavi"/>
-        <a:font script="Cans" typeface="Euphemia"/>
-        <a:font script="Cher" typeface="Plantagenet Cherokee"/>
-        <a:font script="Yiii" typeface="Microsoft Yi Baiti"/>
-        <a:font script="Tibt" typeface="Microsoft Himalaya"/>
-        <a:font script="Thaa" typeface="MV Boli"/>
-        <a:font script="Deva" typeface="Mangal"/>
-        <a:font script="Telu" typeface="Gautami"/>
-        <a:font script="Taml" typeface="Latha"/>
-        <a:font script="Syrc" typeface="Estrangelo Edessa"/>
-        <a:font script="Orya" typeface="Kalinga"/>
-        <a:font script="Mlym" typeface="Kartika"/>
-        <a:font script="Laoo" typeface="DokChampa"/>
-        <a:font script="Sinh" typeface="Iskoola Pota"/>
-        <a:font script="Mong" typeface="Mongolian Baiti"/>
-        <a:font script="Viet" typeface="Times New Roman"/>
-        <a:font script="Uigh" typeface="Microsoft Uighur"/>
-        <a:font script="Geor" typeface="Sylfaen"/>
-      </a:majorFont>
-      <a:minorFont>
-        <a:latin typeface="Arial"/>
-        <a:ea typeface=""/>
-        <a:cs typeface=""/>
-        <a:font script="Jpan" typeface="ＭＳ Ｐゴシック"/>
-        <a:font script="Hang" typeface="맑은 고딕"/>
-        <a:font script="Hans" typeface="宋体"/>
-        <a:font script="Hant" typeface="新細明體"/>
-        <a:font script="Arab" typeface="Arial"/>
-        <a:font script="Hebr" typeface="Arial"/>
-        <a:font script="Thai" typeface="Cordia New"/>
-        <a:font script="Ethi" typeface="Nyala"/>
-        <a:font script="Beng" typeface="Vrinda"/>
-        <a:font script="Gujr" typeface="Shruti"/>
-        <a:font script="Khmr" typeface="DaunPenh"/>
-        <a:font script="Knda" typeface="Tunga"/>
-        <a:font script="Guru" typeface="Raavi"/>
-        <a:font script="Cans" typeface="Euphemia"/>
-        <a:font script="Cher" typeface="Plantagenet Cherokee"/>
-        <a:font script="Yiii" typeface="Microsoft Yi Baiti"/>
-        <a:font script="Tibt" typeface="Microsoft Himalaya"/>
-        <a:font script="Thaa" typeface="MV Boli"/>
-        <a:font script="Deva" typeface="Mangal"/>
-        <a:font script="Telu" typeface="Gautami"/>
-        <a:font script="Taml" typeface="Latha"/>
-        <a:font script="Syrc" typeface="Estrangelo Edessa"/>
-        <a:font script="Orya" typeface="Kalinga"/>
-        <a:font script="Mlym" typeface="Kartika"/>
-        <a:font script="Laoo" typeface="DokChampa"/>
-        <a:font script="Sinh" typeface="Iskoola Pota"/>
-        <a:font script="Mong" typeface="Mongolian Baiti"/>
-        <a:font script="Viet" typeface="Arial"/>
-        <a:font script="Uigh" typeface="Microsoft Uighur"/>
-        <a:font script="Geor" typeface="Sylfaen"/>
-      </a:minorFont>
-    </a:fontScheme>
-    <a:fmtScheme name="Office">
-      <a:fillStyleLst>
-        <a:solidFill>
-          <a:schemeClr val="phClr"/>
-        </a:solidFill>
-        <a:gradFill rotWithShape="1">
-          <a:gsLst>
-            <a:gs pos="0">
-              <a:schemeClr val="phClr">
-                <a:tint val="50000"/>
-                <a:satMod val="300000"/>
-              </a:schemeClr>
-            </a:gs>
-            <a:gs pos="35000">
-              <a:schemeClr val="phClr">
-                <a:tint val="37000"/>
-                <a:satMod val="300000"/>
-              </a:schemeClr>
-            </a:gs>
-            <a:gs pos="100000">
-              <a:schemeClr val="phClr">
-                <a:tint val="15000"/>
-                <a:satMod val="350000"/>
-              </a:schemeClr>
-            </a:gs>
-          </a:gsLst>
-          <a:lin ang="16200000" scaled="1"/>
-        </a:gradFill>
-        <a:gradFill rotWithShape="1">
-          <a:gsLst>
-            <a:gs pos="0">
-              <a:schemeClr val="phClr">
-                <a:tint val="100000"/>
-                <a:shade val="100000"/>
-                <a:satMod val="130000"/>
-              </a:schemeClr>
-            </a:gs>
-            <a:gs pos="100000">
-              <a:schemeClr val="phClr">
-                <a:tint val="50000"/>
-                <a:shade val="100000"/>
-                <a:satMod val="350000"/>
-              </a:schemeClr>
-            </a:gs>
-          </a:gsLst>
-          <a:lin ang="16200000" scaled="0"/>
-        </a:gradFill>
-      </a:fillStyleLst>
-      <a:lnStyleLst>
-        <a:ln w="9525" cap="flat" cmpd="sng" algn="ctr">
-          <a:solidFill>
-            <a:schemeClr val="phClr">
-              <a:shade val="95000"/>
-              <a:satMod val="105000"/>
-            </a:schemeClr>
-          </a:solidFill>
-          <a:prstDash val="solid"/>
-        </a:ln>
-        <a:ln w="25400" cap="flat" cmpd="sng" algn="ctr">
-          <a:solidFill>
-            <a:schemeClr val="phClr"/>
-          </a:solidFill>
-          <a:prstDash val="solid"/>
-        </a:ln>
-        <a:ln w="38100" cap="flat" cmpd="sng" algn="ctr">
-          <a:solidFill>
-            <a:schemeClr val="phClr"/>
-          </a:solidFill>
-          <a:prstDash val="solid"/>
-        </a:ln>
-      </a:lnStyleLst>
-      <a:effectStyleLst>
-        <a:effectStyle>
-          <a:effectLst>
-            <a:outerShdw blurRad="40000" dist="20000" dir="5400000" rotWithShape="0">
-              <a:srgbClr val="000000">
-                <a:alpha val="38000"/>
-              </a:srgbClr>
-            </a:outerShdw>
-          </a:effectLst>
-        </a:effectStyle>
-        <a:effectStyle>
-          <a:effectLst>
-            <a:outerShdw blurRad="40000" dist="23000" dir="5400000" rotWithShape="0">
-              <a:srgbClr val="000000">
-                <a:alpha val="35000"/>
-              </a:srgbClr>
-            </a:outerShdw>
-          </a:effectLst>
-        </a:effectStyle>
-        <a:effectStyle>
-          <a:effectLst>
-            <a:outerShdw blurRad="40000" dist="23000" dir="5400000" rotWithShape="0">
-              <a:srgbClr val="000000">
-                <a:alpha val="35000"/>
-              </a:srgbClr>
-            </a:outerShdw>
-          </a:effectLst>
-          <a:scene3d>
-            <a:camera prst="orthographicFront">
-              <a:rot lat="0" lon="0" rev="0"/>
-            </a:camera>
-            <a:lightRig rig="threePt" dir="t">
-              <a:rot lat="0" lon="0" rev="1200000"/>
-            </a:lightRig>
-          </a:scene3d>
-          <a:sp3d>
-            <a:bevelT w="63500" h="25400"/>
-          </a:sp3d>
-        </a:effectStyle>
-      </a:effectStyleLst>
-      <a:bgFillStyleLst>
-        <a:solidFill>
-          <a:schemeClr val="phClr"/>
-        </a:solidFill>
-        <a:gradFill rotWithShape="1">
-          <a:gsLst>
-            <a:gs pos="0">
-              <a:schemeClr val="phClr">
-                <a:tint val="40000"/>
-                <a:satMod val="350000"/>
-              </a:schemeClr>
-            </a:gs>
-            <a:gs pos="40000">
-              <a:schemeClr val="phClr">
-                <a:tint val="45000"/>
-                <a:shade val="99000"/>
-                <a:satMod val="350000"/>
-              </a:schemeClr>
-            </a:gs>
-            <a:gs pos="100000">
-              <a:schemeClr val="phClr">
-                <a:shade val="20000"/>
-                <a:satMod val="255000"/>
-              </a:schemeClr>
-            </a:gs>
-          </a:gsLst>
-          <a:path path="circle">
-            <a:fillToRect l="50000" t="-80000" r="50000" b="180000"/>
-          </a:path>
-        </a:gradFill>
-        <a:gradFill rotWithShape="1">
-          <a:gsLst>
-            <a:gs pos="0">
-              <a:schemeClr val="phClr">
-                <a:tint val="80000"/>
-                <a:satMod val="300000"/>
-              </a:schemeClr>
-            </a:gs>
-            <a:gs pos="100000">
-              <a:schemeClr val="phClr">
-                <a:shade val="30000"/>
-                <a:satMod val="200000"/>
-              </a:schemeClr>
-            </a:gs>
-          </a:gsLst>
-          <a:path path="circle">
-            <a:fillToRect l="50000" t="50000" r="50000" b="50000"/>
-          </a:path>
-        </a:gradFill>
-      </a:bgFillStyleLst>
-    </a:fmtScheme>
-  </a:themeElements>
-</a:theme>
 </file>